--- a/public/HACKARENA_TEMPLATE.pptx
+++ b/public/HACKARENA_TEMPLATE.pptx
@@ -3234,8 +3234,8 @@
         </p:nvSpPr>
         <p:spPr>
           <a:xfrm rot="0">
-            <a:off x="4133193" y="2919427"/>
-            <a:ext cx="8703945" cy="5774055"/>
+            <a:off x="4133193" y="3278045"/>
+            <a:ext cx="8703945" cy="4678680"/>
           </a:xfrm>
           <a:prstGeom prst="rect">
             <a:avLst/>
@@ -3314,27 +3314,6 @@
                 <a:sym typeface="Arial Bold"/>
               </a:rPr>
               <a:t>Theme-</a:t>
-            </a:r>
-          </a:p>
-          <a:p>
-            <a:pPr algn="just" marL="651510" indent="-325755" lvl="1">
-              <a:lnSpc>
-                <a:spcPts val="8640"/>
-              </a:lnSpc>
-              <a:buFont typeface="Arial"/>
-              <a:buChar char="•"/>
-            </a:pPr>
-            <a:r>
-              <a:rPr lang="en-US" b="true" sz="3600">
-                <a:solidFill>
-                  <a:srgbClr val="000000"/>
-                </a:solidFill>
-                <a:latin typeface="Arial Bold"/>
-                <a:ea typeface="Arial Bold"/>
-                <a:cs typeface="Arial Bold"/>
-                <a:sym typeface="Arial Bold"/>
-              </a:rPr>
-              <a:t>Team ID-</a:t>
             </a:r>
           </a:p>
           <a:p>
